--- a/ref/00.architect/03. developer guide(프로그램 작성 가이드).pptx
+++ b/ref/00.architect/03. developer guide(프로그램 작성 가이드).pptx
@@ -136,10 +136,10 @@
   </p:defaultTextStyle>
   <p:extLst>
     <p:ext uri="{EFAFB233-063F-42B5-8137-9DF3F51BA10A}">
-      <p15:sldGuideLst xmlns:p15="http://schemas.microsoft.com/office/powerpoint/2012/main" xmlns=""/>
+      <p15:sldGuideLst xmlns="" xmlns:p15="http://schemas.microsoft.com/office/powerpoint/2012/main"/>
     </p:ext>
     <p:ext uri="{2D200454-40CA-4A62-9FC3-DE9A4176ACB9}">
-      <p15:notesGuideLst xmlns:p15="http://schemas.microsoft.com/office/powerpoint/2012/main" xmlns=""/>
+      <p15:notesGuideLst xmlns="" xmlns:p15="http://schemas.microsoft.com/office/powerpoint/2012/main"/>
     </p:ext>
   </p:extLst>
 </p:presentation>
@@ -227,7 +227,7 @@
           <a:p>
             <a:fld id="{AB0E5B45-2054-4484-ABA2-75CE4889F6A4}" type="datetimeFigureOut">
               <a:rPr lang="ko-KR" altLang="en-US" smtClean="0"/>
-              <a:t>3/2/2015</a:t>
+              <a:t>3/3/2015</a:t>
             </a:fld>
             <a:endParaRPr lang="ko-KR" altLang="en-US"/>
           </a:p>
@@ -626,7 +626,7 @@
           <a:p>
             <a:fld id="{A6ABBAD7-BCE8-481B-9ED1-25EE51C30FB0}" type="datetimeFigureOut">
               <a:rPr lang="ko-KR" altLang="en-US" smtClean="0"/>
-              <a:t>3/2/2015</a:t>
+              <a:t>3/3/2015</a:t>
             </a:fld>
             <a:endParaRPr lang="ko-KR" altLang="en-US"/>
           </a:p>
@@ -886,7 +886,7 @@
           <a:p>
             <a:fld id="{A6ABBAD7-BCE8-481B-9ED1-25EE51C30FB0}" type="datetimeFigureOut">
               <a:rPr lang="ko-KR" altLang="en-US" smtClean="0"/>
-              <a:t>3/2/2015</a:t>
+              <a:t>3/3/2015</a:t>
             </a:fld>
             <a:endParaRPr lang="ko-KR" altLang="en-US"/>
           </a:p>
@@ -1063,7 +1063,7 @@
           <a:p>
             <a:fld id="{A6ABBAD7-BCE8-481B-9ED1-25EE51C30FB0}" type="datetimeFigureOut">
               <a:rPr lang="ko-KR" altLang="en-US" smtClean="0"/>
-              <a:t>3/2/2015</a:t>
+              <a:t>3/3/2015</a:t>
             </a:fld>
             <a:endParaRPr lang="ko-KR" altLang="en-US"/>
           </a:p>
@@ -1250,7 +1250,7 @@
           <a:p>
             <a:fld id="{A6ABBAD7-BCE8-481B-9ED1-25EE51C30FB0}" type="datetimeFigureOut">
               <a:rPr lang="ko-KR" altLang="en-US" smtClean="0"/>
-              <a:t>3/2/2015</a:t>
+              <a:t>3/3/2015</a:t>
             </a:fld>
             <a:endParaRPr lang="ko-KR" altLang="en-US"/>
           </a:p>
@@ -2326,7 +2326,7 @@
           <a:p>
             <a:fld id="{A6ABBAD7-BCE8-481B-9ED1-25EE51C30FB0}" type="datetimeFigureOut">
               <a:rPr lang="ko-KR" altLang="en-US" smtClean="0"/>
-              <a:t>3/2/2015</a:t>
+              <a:t>3/3/2015</a:t>
             </a:fld>
             <a:endParaRPr lang="ko-KR" altLang="en-US"/>
           </a:p>
@@ -2565,7 +2565,7 @@
           <a:p>
             <a:fld id="{A6ABBAD7-BCE8-481B-9ED1-25EE51C30FB0}" type="datetimeFigureOut">
               <a:rPr lang="ko-KR" altLang="en-US" smtClean="0"/>
-              <a:t>3/2/2015</a:t>
+              <a:t>3/3/2015</a:t>
             </a:fld>
             <a:endParaRPr lang="ko-KR" altLang="en-US"/>
           </a:p>
@@ -2939,7 +2939,7 @@
           <a:p>
             <a:fld id="{A6ABBAD7-BCE8-481B-9ED1-25EE51C30FB0}" type="datetimeFigureOut">
               <a:rPr lang="ko-KR" altLang="en-US" smtClean="0"/>
-              <a:t>3/2/2015</a:t>
+              <a:t>3/3/2015</a:t>
             </a:fld>
             <a:endParaRPr lang="ko-KR" altLang="en-US"/>
           </a:p>
@@ -3064,7 +3064,7 @@
           <a:p>
             <a:fld id="{A6ABBAD7-BCE8-481B-9ED1-25EE51C30FB0}" type="datetimeFigureOut">
               <a:rPr lang="ko-KR" altLang="en-US" smtClean="0"/>
-              <a:t>3/2/2015</a:t>
+              <a:t>3/3/2015</a:t>
             </a:fld>
             <a:endParaRPr lang="ko-KR" altLang="en-US"/>
           </a:p>
@@ -3166,7 +3166,7 @@
           <a:p>
             <a:fld id="{A6ABBAD7-BCE8-481B-9ED1-25EE51C30FB0}" type="datetimeFigureOut">
               <a:rPr lang="ko-KR" altLang="en-US" smtClean="0"/>
-              <a:t>3/2/2015</a:t>
+              <a:t>3/3/2015</a:t>
             </a:fld>
             <a:endParaRPr lang="ko-KR" altLang="en-US"/>
           </a:p>
@@ -3450,7 +3450,7 @@
           <a:p>
             <a:fld id="{A6ABBAD7-BCE8-481B-9ED1-25EE51C30FB0}" type="datetimeFigureOut">
               <a:rPr lang="ko-KR" altLang="en-US" smtClean="0"/>
-              <a:t>3/2/2015</a:t>
+              <a:t>3/3/2015</a:t>
             </a:fld>
             <a:endParaRPr lang="ko-KR" altLang="en-US"/>
           </a:p>
@@ -3670,7 +3670,7 @@
           <a:p>
             <a:fld id="{A6ABBAD7-BCE8-481B-9ED1-25EE51C30FB0}" type="datetimeFigureOut">
               <a:rPr lang="ko-KR" altLang="en-US" smtClean="0"/>
-              <a:t>3/2/2015</a:t>
+              <a:t>3/3/2015</a:t>
             </a:fld>
             <a:endParaRPr lang="ko-KR" altLang="en-US"/>
           </a:p>
@@ -4083,210 +4083,6 @@
           <a:chExt cx="0" cy="0"/>
         </a:xfrm>
       </p:grpSpPr>
-      <p:sp>
-        <p:nvSpPr>
-          <p:cNvPr id="3" name="TextBox 2"/>
-          <p:cNvSpPr txBox="1">
-            <a:spLocks noChangeArrowheads="1"/>
-          </p:cNvSpPr>
-          <p:nvPr/>
-        </p:nvSpPr>
-        <p:spPr bwMode="auto">
-          <a:xfrm>
-            <a:off x="965412" y="2817514"/>
-            <a:ext cx="10464587" cy="369888"/>
-          </a:xfrm>
-          <a:prstGeom prst="rect">
-            <a:avLst/>
-          </a:prstGeom>
-          <a:noFill/>
-          <a:ln>
-            <a:noFill/>
-          </a:ln>
-          <a:extLst>
-            <a:ext uri="{909E8E84-426E-40DD-AFC4-6F175D3DCCD1}">
-              <a14:hiddenFill xmlns:a14="http://schemas.microsoft.com/office/drawing/2010/main">
-                <a:solidFill>
-                  <a:srgbClr val="FFFFFF"/>
-                </a:solidFill>
-              </a14:hiddenFill>
-            </a:ext>
-            <a:ext uri="{91240B29-F687-4F45-9708-019B960494DF}">
-              <a14:hiddenLine xmlns:a14="http://schemas.microsoft.com/office/drawing/2010/main" w="9525">
-                <a:solidFill>
-                  <a:srgbClr val="000000"/>
-                </a:solidFill>
-                <a:miter lim="800000"/>
-                <a:headEnd/>
-                <a:tailEnd/>
-              </a14:hiddenLine>
-            </a:ext>
-          </a:extLst>
-        </p:spPr>
-        <p:txBody>
-          <a:bodyPr wrap="square">
-            <a:spAutoFit/>
-          </a:bodyPr>
-          <a:lstStyle>
-            <a:lvl1pPr latinLnBrk="1">
-              <a:spcBef>
-                <a:spcPct val="20000"/>
-              </a:spcBef>
-              <a:buFont typeface="Arial" panose="020B0604020202020204" pitchFamily="34" charset="0"/>
-              <a:buChar char="•"/>
-              <a:defRPr sz="3200">
-                <a:solidFill>
-                  <a:schemeClr val="tx1"/>
-                </a:solidFill>
-                <a:latin typeface="맑은 고딕" panose="020B0503020000020004" pitchFamily="50" charset="-127"/>
-                <a:ea typeface="맑은 고딕" panose="020B0503020000020004" pitchFamily="50" charset="-127"/>
-              </a:defRPr>
-            </a:lvl1pPr>
-            <a:lvl2pPr marL="742950" indent="-285750" latinLnBrk="1">
-              <a:spcBef>
-                <a:spcPct val="20000"/>
-              </a:spcBef>
-              <a:buFont typeface="Arial" panose="020B0604020202020204" pitchFamily="34" charset="0"/>
-              <a:buChar char="–"/>
-              <a:defRPr sz="2800">
-                <a:solidFill>
-                  <a:schemeClr val="tx1"/>
-                </a:solidFill>
-                <a:latin typeface="맑은 고딕" panose="020B0503020000020004" pitchFamily="50" charset="-127"/>
-                <a:ea typeface="맑은 고딕" panose="020B0503020000020004" pitchFamily="50" charset="-127"/>
-              </a:defRPr>
-            </a:lvl2pPr>
-            <a:lvl3pPr marL="1143000" indent="-228600" latinLnBrk="1">
-              <a:spcBef>
-                <a:spcPct val="20000"/>
-              </a:spcBef>
-              <a:buFont typeface="Arial" panose="020B0604020202020204" pitchFamily="34" charset="0"/>
-              <a:buChar char="•"/>
-              <a:defRPr sz="2400">
-                <a:solidFill>
-                  <a:schemeClr val="tx1"/>
-                </a:solidFill>
-                <a:latin typeface="맑은 고딕" panose="020B0503020000020004" pitchFamily="50" charset="-127"/>
-                <a:ea typeface="맑은 고딕" panose="020B0503020000020004" pitchFamily="50" charset="-127"/>
-              </a:defRPr>
-            </a:lvl3pPr>
-            <a:lvl4pPr marL="1600200" indent="-228600" latinLnBrk="1">
-              <a:spcBef>
-                <a:spcPct val="20000"/>
-              </a:spcBef>
-              <a:buFont typeface="Arial" panose="020B0604020202020204" pitchFamily="34" charset="0"/>
-              <a:buChar char="–"/>
-              <a:defRPr sz="2000">
-                <a:solidFill>
-                  <a:schemeClr val="tx1"/>
-                </a:solidFill>
-                <a:latin typeface="맑은 고딕" panose="020B0503020000020004" pitchFamily="50" charset="-127"/>
-                <a:ea typeface="맑은 고딕" panose="020B0503020000020004" pitchFamily="50" charset="-127"/>
-              </a:defRPr>
-            </a:lvl4pPr>
-            <a:lvl5pPr marL="2057400" indent="-228600" latinLnBrk="1">
-              <a:spcBef>
-                <a:spcPct val="20000"/>
-              </a:spcBef>
-              <a:buFont typeface="Arial" panose="020B0604020202020204" pitchFamily="34" charset="0"/>
-              <a:buChar char="»"/>
-              <a:defRPr sz="2000">
-                <a:solidFill>
-                  <a:schemeClr val="tx1"/>
-                </a:solidFill>
-                <a:latin typeface="맑은 고딕" panose="020B0503020000020004" pitchFamily="50" charset="-127"/>
-                <a:ea typeface="맑은 고딕" panose="020B0503020000020004" pitchFamily="50" charset="-127"/>
-              </a:defRPr>
-            </a:lvl5pPr>
-            <a:lvl6pPr marL="2514600" indent="-228600" eaLnBrk="0" fontAlgn="base" hangingPunct="0">
-              <a:spcBef>
-                <a:spcPct val="20000"/>
-              </a:spcBef>
-              <a:spcAft>
-                <a:spcPct val="0"/>
-              </a:spcAft>
-              <a:buFont typeface="Arial" panose="020B0604020202020204" pitchFamily="34" charset="0"/>
-              <a:buChar char="»"/>
-              <a:defRPr sz="2000">
-                <a:solidFill>
-                  <a:schemeClr val="tx1"/>
-                </a:solidFill>
-                <a:latin typeface="맑은 고딕" panose="020B0503020000020004" pitchFamily="50" charset="-127"/>
-                <a:ea typeface="맑은 고딕" panose="020B0503020000020004" pitchFamily="50" charset="-127"/>
-              </a:defRPr>
-            </a:lvl6pPr>
-            <a:lvl7pPr marL="2971800" indent="-228600" eaLnBrk="0" fontAlgn="base" hangingPunct="0">
-              <a:spcBef>
-                <a:spcPct val="20000"/>
-              </a:spcBef>
-              <a:spcAft>
-                <a:spcPct val="0"/>
-              </a:spcAft>
-              <a:buFont typeface="Arial" panose="020B0604020202020204" pitchFamily="34" charset="0"/>
-              <a:buChar char="»"/>
-              <a:defRPr sz="2000">
-                <a:solidFill>
-                  <a:schemeClr val="tx1"/>
-                </a:solidFill>
-                <a:latin typeface="맑은 고딕" panose="020B0503020000020004" pitchFamily="50" charset="-127"/>
-                <a:ea typeface="맑은 고딕" panose="020B0503020000020004" pitchFamily="50" charset="-127"/>
-              </a:defRPr>
-            </a:lvl7pPr>
-            <a:lvl8pPr marL="3429000" indent="-228600" eaLnBrk="0" fontAlgn="base" hangingPunct="0">
-              <a:spcBef>
-                <a:spcPct val="20000"/>
-              </a:spcBef>
-              <a:spcAft>
-                <a:spcPct val="0"/>
-              </a:spcAft>
-              <a:buFont typeface="Arial" panose="020B0604020202020204" pitchFamily="34" charset="0"/>
-              <a:buChar char="»"/>
-              <a:defRPr sz="2000">
-                <a:solidFill>
-                  <a:schemeClr val="tx1"/>
-                </a:solidFill>
-                <a:latin typeface="맑은 고딕" panose="020B0503020000020004" pitchFamily="50" charset="-127"/>
-                <a:ea typeface="맑은 고딕" panose="020B0503020000020004" pitchFamily="50" charset="-127"/>
-              </a:defRPr>
-            </a:lvl8pPr>
-            <a:lvl9pPr marL="3886200" indent="-228600" eaLnBrk="0" fontAlgn="base" hangingPunct="0">
-              <a:spcBef>
-                <a:spcPct val="20000"/>
-              </a:spcBef>
-              <a:spcAft>
-                <a:spcPct val="0"/>
-              </a:spcAft>
-              <a:buFont typeface="Arial" panose="020B0604020202020204" pitchFamily="34" charset="0"/>
-              <a:buChar char="»"/>
-              <a:defRPr sz="2000">
-                <a:solidFill>
-                  <a:schemeClr val="tx1"/>
-                </a:solidFill>
-                <a:latin typeface="맑은 고딕" panose="020B0503020000020004" pitchFamily="50" charset="-127"/>
-                <a:ea typeface="맑은 고딕" panose="020B0503020000020004" pitchFamily="50" charset="-127"/>
-              </a:defRPr>
-            </a:lvl9pPr>
-          </a:lstStyle>
-          <a:p>
-            <a:pPr algn="ctr" eaLnBrk="1" hangingPunct="1">
-              <a:spcBef>
-                <a:spcPct val="0"/>
-              </a:spcBef>
-              <a:buFontTx/>
-              <a:buNone/>
-            </a:pPr>
-            <a:r>
-              <a:rPr lang="en-US" altLang="ko-KR" sz="1800"/>
-              <a:t>(</a:t>
-            </a:r>
-            <a:r>
-              <a:rPr lang="en-US" altLang="ko-KR" sz="1800" smtClean="0"/>
-              <a:t>2015. 01. 05)</a:t>
-            </a:r>
-            <a:endParaRPr lang="ko-KR" altLang="en-US" sz="1800"/>
-          </a:p>
-        </p:txBody>
-      </p:sp>
     </p:spTree>
     <p:extLst>
       <p:ext uri="{BB962C8B-B14F-4D97-AF65-F5344CB8AC3E}">
@@ -23608,15 +23404,7 @@
           <a:p>
             <a:r>
               <a:rPr lang="ko-KR" altLang="en-US" sz="1200" smtClean="0"/>
-              <a:t>웹개발 </a:t>
-            </a:r>
-            <a:r>
-              <a:rPr lang="ko-KR" altLang="en-US" sz="1200" smtClean="0"/>
-              <a:t>워킹 </a:t>
-            </a:r>
-            <a:r>
-              <a:rPr lang="ko-KR" altLang="en-US" sz="1200" smtClean="0"/>
-              <a:t>프로세스에 대해 설명 한다</a:t>
+              <a:t>웹개발 워킹 프로세스에 대해 설명 한다</a:t>
             </a:r>
             <a:r>
               <a:rPr lang="en-US" altLang="ko-KR" sz="1200" smtClean="0"/>
@@ -25335,7 +25123,7 @@
           <a:graphicData uri="http://schemas.openxmlformats.org/presentationml/2006/ole">
             <mc:AlternateContent xmlns:mc="http://schemas.openxmlformats.org/markup-compatibility/2006">
               <mc:Choice xmlns:v="urn:schemas-microsoft-com:vml" Requires="v">
-                <p:oleObj spid="_x0000_s2100" name="Image" r:id="rId3" imgW="1495080" imgH="1980720" progId="Photoshop.Image.13">
+                <p:oleObj spid="_x0000_s2101" name="Image" r:id="rId3" imgW="1495080" imgH="1980720" progId="Photoshop.Image.13">
                   <p:embed/>
                 </p:oleObj>
               </mc:Choice>
@@ -26468,7 +26256,7 @@
   <a:extraClrSchemeLst/>
   <a:extLst>
     <a:ext uri="{05A4C25C-085E-4340-85A3-A5531E510DB2}">
-      <thm15:themeFamily xmlns:thm15="http://schemas.microsoft.com/office/thememl/2012/main" xmlns="" name="Office Theme" id="{62F939B6-93AF-4DB8-9C6B-D6C7DFDC589F}" vid="{4A3C46E8-61CC-4603-A589-7422A47A8E4A}"/>
+      <thm15:themeFamily xmlns="" xmlns:thm15="http://schemas.microsoft.com/office/thememl/2012/main" name="Office Theme" id="{62F939B6-93AF-4DB8-9C6B-D6C7DFDC589F}" vid="{4A3C46E8-61CC-4603-A589-7422A47A8E4A}"/>
     </a:ext>
   </a:extLst>
 </a:theme>
@@ -26729,7 +26517,7 @@
   <a:extraClrSchemeLst/>
   <a:extLst>
     <a:ext uri="{05A4C25C-085E-4340-85A3-A5531E510DB2}">
-      <thm15:themeFamily xmlns:thm15="http://schemas.microsoft.com/office/thememl/2012/main" xmlns="" name="Office Theme" id="{62F939B6-93AF-4DB8-9C6B-D6C7DFDC589F}" vid="{4A3C46E8-61CC-4603-A589-7422A47A8E4A}"/>
+      <thm15:themeFamily xmlns="" xmlns:thm15="http://schemas.microsoft.com/office/thememl/2012/main" name="Office Theme" id="{62F939B6-93AF-4DB8-9C6B-D6C7DFDC589F}" vid="{4A3C46E8-61CC-4603-A589-7422A47A8E4A}"/>
     </a:ext>
   </a:extLst>
 </a:theme>
